--- a/2022年度/行事/③夏祭り/準備資料/準備資料（班長会で配布）/実行委員会資料20220807.pptx
+++ b/2022年度/行事/③夏祭り/準備資料/準備資料（班長会で配布）/実行委員会資料20220807.pptx
@@ -14,6 +14,7 @@
     <p:sldId id="261" r:id="rId8"/>
     <p:sldId id="263" r:id="rId9"/>
     <p:sldId id="264" r:id="rId10"/>
+    <p:sldId id="265" r:id="rId11"/>
   </p:sldIdLst>
   <p:sldSz cx="12192000" cy="6858000"/>
   <p:notesSz cx="6858000" cy="9945688"/>
@@ -267,7 +268,7 @@
           <a:p>
             <a:fld id="{E160A8FA-DEDF-4E83-9332-AF55AE4C991D}" type="datetimeFigureOut">
               <a:rPr kumimoji="1" lang="ja-JP" altLang="en-US" smtClean="0"/>
-              <a:t>2022/8/7</a:t>
+              <a:t>2022/8/28</a:t>
             </a:fld>
             <a:endParaRPr kumimoji="1" lang="ja-JP" altLang="en-US"/>
           </a:p>
@@ -497,7 +498,7 @@
           <a:p>
             <a:fld id="{E160A8FA-DEDF-4E83-9332-AF55AE4C991D}" type="datetimeFigureOut">
               <a:rPr kumimoji="1" lang="ja-JP" altLang="en-US" smtClean="0"/>
-              <a:t>2022/8/7</a:t>
+              <a:t>2022/8/28</a:t>
             </a:fld>
             <a:endParaRPr kumimoji="1" lang="ja-JP" altLang="en-US"/>
           </a:p>
@@ -737,7 +738,7 @@
           <a:p>
             <a:fld id="{E160A8FA-DEDF-4E83-9332-AF55AE4C991D}" type="datetimeFigureOut">
               <a:rPr kumimoji="1" lang="ja-JP" altLang="en-US" smtClean="0"/>
-              <a:t>2022/8/7</a:t>
+              <a:t>2022/8/28</a:t>
             </a:fld>
             <a:endParaRPr kumimoji="1" lang="ja-JP" altLang="en-US"/>
           </a:p>
@@ -967,7 +968,7 @@
           <a:p>
             <a:fld id="{E160A8FA-DEDF-4E83-9332-AF55AE4C991D}" type="datetimeFigureOut">
               <a:rPr kumimoji="1" lang="ja-JP" altLang="en-US" smtClean="0"/>
-              <a:t>2022/8/7</a:t>
+              <a:t>2022/8/28</a:t>
             </a:fld>
             <a:endParaRPr kumimoji="1" lang="ja-JP" altLang="en-US"/>
           </a:p>
@@ -1242,7 +1243,7 @@
           <a:p>
             <a:fld id="{E160A8FA-DEDF-4E83-9332-AF55AE4C991D}" type="datetimeFigureOut">
               <a:rPr kumimoji="1" lang="ja-JP" altLang="en-US" smtClean="0"/>
-              <a:t>2022/8/7</a:t>
+              <a:t>2022/8/28</a:t>
             </a:fld>
             <a:endParaRPr kumimoji="1" lang="ja-JP" altLang="en-US"/>
           </a:p>
@@ -1571,7 +1572,7 @@
           <a:p>
             <a:fld id="{E160A8FA-DEDF-4E83-9332-AF55AE4C991D}" type="datetimeFigureOut">
               <a:rPr kumimoji="1" lang="ja-JP" altLang="en-US" smtClean="0"/>
-              <a:t>2022/8/7</a:t>
+              <a:t>2022/8/28</a:t>
             </a:fld>
             <a:endParaRPr kumimoji="1" lang="ja-JP" altLang="en-US"/>
           </a:p>
@@ -2047,7 +2048,7 @@
           <a:p>
             <a:fld id="{E160A8FA-DEDF-4E83-9332-AF55AE4C991D}" type="datetimeFigureOut">
               <a:rPr kumimoji="1" lang="ja-JP" altLang="en-US" smtClean="0"/>
-              <a:t>2022/8/7</a:t>
+              <a:t>2022/8/28</a:t>
             </a:fld>
             <a:endParaRPr kumimoji="1" lang="ja-JP" altLang="en-US"/>
           </a:p>
@@ -2188,7 +2189,7 @@
           <a:p>
             <a:fld id="{E160A8FA-DEDF-4E83-9332-AF55AE4C991D}" type="datetimeFigureOut">
               <a:rPr kumimoji="1" lang="ja-JP" altLang="en-US" smtClean="0"/>
-              <a:t>2022/8/7</a:t>
+              <a:t>2022/8/28</a:t>
             </a:fld>
             <a:endParaRPr kumimoji="1" lang="ja-JP" altLang="en-US"/>
           </a:p>
@@ -2301,7 +2302,7 @@
           <a:p>
             <a:fld id="{E160A8FA-DEDF-4E83-9332-AF55AE4C991D}" type="datetimeFigureOut">
               <a:rPr kumimoji="1" lang="ja-JP" altLang="en-US" smtClean="0"/>
-              <a:t>2022/8/7</a:t>
+              <a:t>2022/8/28</a:t>
             </a:fld>
             <a:endParaRPr kumimoji="1" lang="ja-JP" altLang="en-US"/>
           </a:p>
@@ -2644,7 +2645,7 @@
           <a:p>
             <a:fld id="{E160A8FA-DEDF-4E83-9332-AF55AE4C991D}" type="datetimeFigureOut">
               <a:rPr kumimoji="1" lang="ja-JP" altLang="en-US" smtClean="0"/>
-              <a:t>2022/8/7</a:t>
+              <a:t>2022/8/28</a:t>
             </a:fld>
             <a:endParaRPr kumimoji="1" lang="ja-JP" altLang="en-US"/>
           </a:p>
@@ -2932,7 +2933,7 @@
           <a:p>
             <a:fld id="{E160A8FA-DEDF-4E83-9332-AF55AE4C991D}" type="datetimeFigureOut">
               <a:rPr kumimoji="1" lang="ja-JP" altLang="en-US" smtClean="0"/>
-              <a:t>2022/8/7</a:t>
+              <a:t>2022/8/28</a:t>
             </a:fld>
             <a:endParaRPr kumimoji="1" lang="ja-JP" altLang="en-US"/>
           </a:p>
@@ -3205,7 +3206,7 @@
           <a:p>
             <a:fld id="{E160A8FA-DEDF-4E83-9332-AF55AE4C991D}" type="datetimeFigureOut">
               <a:rPr kumimoji="1" lang="ja-JP" altLang="en-US" smtClean="0"/>
-              <a:t>2022/8/7</a:t>
+              <a:t>2022/8/28</a:t>
             </a:fld>
             <a:endParaRPr kumimoji="1" lang="ja-JP" altLang="en-US"/>
           </a:p>
@@ -4065,6 +4066,134 @@
     <p:extLst>
       <p:ext uri="{BB962C8B-B14F-4D97-AF65-F5344CB8AC3E}">
         <p14:creationId xmlns:p14="http://schemas.microsoft.com/office/powerpoint/2010/main" val="947395206"/>
+      </p:ext>
+    </p:extLst>
+  </p:cSld>
+  <p:clrMapOvr>
+    <a:masterClrMapping/>
+  </p:clrMapOvr>
+</p:sld>
+</file>
+
+<file path=ppt/slides/slide10.xml><?xml version="1.0" encoding="utf-8"?>
+<p:sld xmlns:a="http://schemas.openxmlformats.org/drawingml/2006/main" xmlns:r="http://schemas.openxmlformats.org/officeDocument/2006/relationships" xmlns:p="http://schemas.openxmlformats.org/presentationml/2006/main">
+  <p:cSld>
+    <p:spTree>
+      <p:nvGrpSpPr>
+        <p:cNvPr id="1" name=""/>
+        <p:cNvGrpSpPr/>
+        <p:nvPr/>
+      </p:nvGrpSpPr>
+      <p:grpSpPr>
+        <a:xfrm>
+          <a:off x="0" y="0"/>
+          <a:ext cx="0" cy="0"/>
+          <a:chOff x="0" y="0"/>
+          <a:chExt cx="0" cy="0"/>
+        </a:xfrm>
+      </p:grpSpPr>
+      <p:sp>
+        <p:nvSpPr>
+          <p:cNvPr id="2" name="タイトル 1">
+            <a:extLst>
+              <a:ext uri="{FF2B5EF4-FFF2-40B4-BE49-F238E27FC236}">
+                <a16:creationId xmlns:a16="http://schemas.microsoft.com/office/drawing/2014/main" id="{5D7357D2-CE77-4618-307D-9D488F7B8A0E}"/>
+              </a:ext>
+            </a:extLst>
+          </p:cNvPr>
+          <p:cNvSpPr>
+            <a:spLocks noGrp="1"/>
+          </p:cNvSpPr>
+          <p:nvPr>
+            <p:ph type="title"/>
+          </p:nvPr>
+        </p:nvSpPr>
+        <p:spPr/>
+        <p:txBody>
+          <a:bodyPr/>
+          <a:lstStyle/>
+          <a:p>
+            <a:r>
+              <a:rPr kumimoji="1" lang="ja-JP" altLang="en-US" dirty="0"/>
+              <a:t>売り上げ</a:t>
+            </a:r>
+          </a:p>
+        </p:txBody>
+      </p:sp>
+      <p:sp>
+        <p:nvSpPr>
+          <p:cNvPr id="3" name="コンテンツ プレースホルダー 2">
+            <a:extLst>
+              <a:ext uri="{FF2B5EF4-FFF2-40B4-BE49-F238E27FC236}">
+                <a16:creationId xmlns:a16="http://schemas.microsoft.com/office/drawing/2014/main" id="{FABB66CD-E542-4275-9B1B-A772E15F4D63}"/>
+              </a:ext>
+            </a:extLst>
+          </p:cNvPr>
+          <p:cNvSpPr>
+            <a:spLocks noGrp="1"/>
+          </p:cNvSpPr>
+          <p:nvPr>
+            <p:ph idx="1"/>
+          </p:nvPr>
+        </p:nvSpPr>
+        <p:spPr/>
+        <p:txBody>
+          <a:bodyPr/>
+          <a:lstStyle/>
+          <a:p>
+            <a:r>
+              <a:rPr kumimoji="1" lang="ja-JP" altLang="en-US" dirty="0"/>
+              <a:t>飲み物：</a:t>
+            </a:r>
+            <a:r>
+              <a:rPr kumimoji="1" lang="en-US" altLang="ja-JP" dirty="0"/>
+              <a:t>6400</a:t>
+            </a:r>
+            <a:r>
+              <a:rPr kumimoji="1" lang="ja-JP" altLang="en-US" dirty="0"/>
+              <a:t>円</a:t>
+            </a:r>
+            <a:endParaRPr kumimoji="1" lang="en-US" altLang="ja-JP" dirty="0"/>
+          </a:p>
+          <a:p>
+            <a:r>
+              <a:rPr lang="ja-JP" altLang="en-US" dirty="0"/>
+              <a:t>チケット：</a:t>
+            </a:r>
+            <a:r>
+              <a:rPr lang="en-US" altLang="ja-JP" dirty="0"/>
+              <a:t>16950</a:t>
+            </a:r>
+            <a:r>
+              <a:rPr lang="ja-JP" altLang="en-US" dirty="0"/>
+              <a:t>円</a:t>
+            </a:r>
+            <a:endParaRPr lang="en-US" altLang="ja-JP" dirty="0"/>
+          </a:p>
+          <a:p>
+            <a:r>
+              <a:rPr kumimoji="1" lang="ja-JP" altLang="en-US" dirty="0"/>
+              <a:t>合計</a:t>
+            </a:r>
+            <a:r>
+              <a:rPr lang="ja-JP" altLang="en-US" dirty="0"/>
+              <a:t>：</a:t>
+            </a:r>
+            <a:r>
+              <a:rPr kumimoji="1" lang="en-US" altLang="ja-JP" dirty="0"/>
+              <a:t>23,350</a:t>
+            </a:r>
+            <a:r>
+              <a:rPr kumimoji="1" lang="ja-JP" altLang="en-US" dirty="0"/>
+              <a:t>円</a:t>
+            </a:r>
+          </a:p>
+        </p:txBody>
+      </p:sp>
+    </p:spTree>
+    <p:extLst>
+      <p:ext uri="{BB962C8B-B14F-4D97-AF65-F5344CB8AC3E}">
+        <p14:creationId xmlns:p14="http://schemas.microsoft.com/office/powerpoint/2010/main" val="2334653691"/>
       </p:ext>
     </p:extLst>
   </p:cSld>
